--- a/ProjectPresentation.pptx
+++ b/ProjectPresentation.pptx
@@ -162,6 +162,10 @@
 </p:presentation>
 </file>
 
+<file path=ppt/revisionInfo.xml><?xml version="1.0" encoding="utf-8"?>
+<p1510:revInfo xmlns:a="http://schemas.openxmlformats.org/drawingml/2006/main" xmlns:r="http://schemas.openxmlformats.org/officeDocument/2006/relationships" xmlns:p1510="http://schemas.microsoft.com/office/powerpoint/2015/10/main"/>
+</file>
+
 <file path=ppt/handoutMasters/handoutMaster1.xml><?xml version="1.0" encoding="utf-8"?>
 <p:handoutMaster xmlns:a="http://schemas.openxmlformats.org/drawingml/2006/main" xmlns:r="http://schemas.openxmlformats.org/officeDocument/2006/relationships" xmlns:p="http://schemas.openxmlformats.org/presentationml/2006/main">
   <p:cSld>
@@ -246,7 +250,7 @@
             <a:pPr rtl="0"/>
             <a:fld id="{E960F3C6-F72F-4CD2-88BE-3E8F02716FC4}" type="datetime1">
               <a:rPr lang="it-IT" smtClean="0"/>
-              <a:t>28/01/2018</a:t>
+              <a:t>30/01/2018</a:t>
             </a:fld>
             <a:endParaRPr lang="it-IT" dirty="0"/>
           </a:p>
@@ -416,7 +420,7 @@
             <a:pPr rtl="0"/>
             <a:fld id="{6E8933E6-EF01-477A-9F16-F7DB22DF32A9}" type="datetime1">
               <a:rPr lang="it-IT" smtClean="0"/>
-              <a:t>28/01/2018</a:t>
+              <a:t>30/01/2018</a:t>
             </a:fld>
             <a:endParaRPr lang="it-IT" dirty="0"/>
           </a:p>
@@ -3522,7 +3526,7 @@
             <a:pPr rtl="0"/>
             <a:fld id="{8A0EBC56-5F8C-4B5D-98A8-4F1D09312B3A}" type="datetime1">
               <a:rPr lang="it-IT" smtClean="0"/>
-              <a:t>28/01/2018</a:t>
+              <a:t>30/01/2018</a:t>
             </a:fld>
             <a:endParaRPr lang="it-IT" dirty="0"/>
           </a:p>
@@ -3731,7 +3735,7 @@
             <a:pPr rtl="0"/>
             <a:fld id="{D1C18A07-A655-4DCE-BF39-E7BD2ACB7DFF}" type="datetime1">
               <a:rPr lang="it-IT" smtClean="0"/>
-              <a:t>28/01/2018</a:t>
+              <a:t>30/01/2018</a:t>
             </a:fld>
             <a:endParaRPr lang="it-IT" dirty="0"/>
           </a:p>
@@ -3937,7 +3941,7 @@
             <a:pPr rtl="0"/>
             <a:fld id="{E4FF80C7-7254-411E-A4C5-1B9D73524654}" type="datetime1">
               <a:rPr lang="it-IT" smtClean="0"/>
-              <a:t>28/01/2018</a:t>
+              <a:t>30/01/2018</a:t>
             </a:fld>
             <a:endParaRPr lang="it-IT" dirty="0"/>
           </a:p>
@@ -4136,7 +4140,7 @@
             <a:pPr rtl="0"/>
             <a:fld id="{26B63033-D228-4CE2-8746-E28B1BE870AD}" type="datetime1">
               <a:rPr lang="it-IT" smtClean="0"/>
-              <a:t>28/01/2018</a:t>
+              <a:t>30/01/2018</a:t>
             </a:fld>
             <a:endParaRPr lang="it-IT" dirty="0"/>
           </a:p>
@@ -4375,7 +4379,7 @@
             <a:pPr rtl="0"/>
             <a:fld id="{F0C8626E-29B7-474C-870F-627A64362DAD}" type="datetime1">
               <a:rPr lang="it-IT" smtClean="0"/>
-              <a:t>28/01/2018</a:t>
+              <a:t>30/01/2018</a:t>
             </a:fld>
             <a:endParaRPr lang="it-IT" dirty="0"/>
           </a:p>
@@ -4658,7 +4662,7 @@
             <a:pPr rtl="0"/>
             <a:fld id="{E07F197F-1844-464C-9A8D-F1E555AB4634}" type="datetime1">
               <a:rPr lang="it-IT" smtClean="0"/>
-              <a:t>28/01/2018</a:t>
+              <a:t>30/01/2018</a:t>
             </a:fld>
             <a:endParaRPr lang="it-IT" dirty="0"/>
           </a:p>
@@ -5104,7 +5108,7 @@
             <a:pPr rtl="0"/>
             <a:fld id="{F7F5235C-8912-4B97-9530-FC94A1B4F326}" type="datetime1">
               <a:rPr lang="it-IT" smtClean="0"/>
-              <a:t>28/01/2018</a:t>
+              <a:t>30/01/2018</a:t>
             </a:fld>
             <a:endParaRPr lang="it-IT" dirty="0"/>
           </a:p>
@@ -5264,7 +5268,7 @@
             <a:pPr rtl="0"/>
             <a:fld id="{BB59B18B-BBC9-4C3A-8AD4-C457578C78AA}" type="datetime1">
               <a:rPr lang="it-IT" smtClean="0"/>
-              <a:t>28/01/2018</a:t>
+              <a:t>30/01/2018</a:t>
             </a:fld>
             <a:endParaRPr lang="it-IT" dirty="0"/>
           </a:p>
@@ -5382,7 +5386,7 @@
             <a:pPr rtl="0"/>
             <a:fld id="{516B5E0C-9F8A-49D2-8EB8-86F73AD7015F}" type="datetime1">
               <a:rPr lang="it-IT" smtClean="0"/>
-              <a:t>28/01/2018</a:t>
+              <a:t>30/01/2018</a:t>
             </a:fld>
             <a:endParaRPr lang="it-IT" dirty="0"/>
           </a:p>
@@ -5650,7 +5654,7 @@
             <a:pPr rtl="0"/>
             <a:fld id="{640F554B-CDAA-4E7E-B954-9B769FBD8FD2}" type="datetime1">
               <a:rPr lang="it-IT" smtClean="0"/>
-              <a:t>28/01/2018</a:t>
+              <a:t>30/01/2018</a:t>
             </a:fld>
             <a:endParaRPr lang="it-IT" dirty="0"/>
           </a:p>
@@ -5919,7 +5923,7 @@
             <a:pPr rtl="0"/>
             <a:fld id="{515A7090-FD05-4F2D-A978-F97B6598DAA9}" type="datetime1">
               <a:rPr lang="it-IT" smtClean="0"/>
-              <a:t>28/01/2018</a:t>
+              <a:t>30/01/2018</a:t>
             </a:fld>
             <a:endParaRPr lang="it-IT" dirty="0"/>
           </a:p>
@@ -6785,7 +6789,7 @@
             <a:pPr rtl="0"/>
             <a:fld id="{9F0A5FDE-5D5C-499D-BD22-6F7F59261447}" type="datetime1">
               <a:rPr lang="it-IT" smtClean="0"/>
-              <a:t>28/01/2018</a:t>
+              <a:t>30/01/2018</a:t>
             </a:fld>
             <a:endParaRPr lang="it-IT" dirty="0"/>
           </a:p>
@@ -7386,10 +7390,10 @@
       </p:sp>
       <p:pic>
         <p:nvPicPr>
-          <p:cNvPr id="4" name="Immagine 3">
+          <p:cNvPr id="5" name="Immagine 4">
             <a:extLst>
               <a:ext uri="{FF2B5EF4-FFF2-40B4-BE49-F238E27FC236}">
-                <a16:creationId xmlns:a16="http://schemas.microsoft.com/office/drawing/2014/main" id="{26848241-EE93-44DC-ADB9-2CCB1879DA13}"/>
+                <a16:creationId xmlns:a16="http://schemas.microsoft.com/office/drawing/2014/main" id="{7BEBFAFF-D082-472D-B22D-BF7A486D05F7}"/>
               </a:ext>
             </a:extLst>
           </p:cNvPr>
@@ -7399,15 +7403,21 @@
           <p:nvPr/>
         </p:nvPicPr>
         <p:blipFill>
-          <a:blip r:embed="rId3"/>
+          <a:blip r:embed="rId3">
+            <a:extLst>
+              <a:ext uri="{28A0092B-C50C-407E-A947-70E740481C1C}">
+                <a14:useLocalDpi xmlns:a14="http://schemas.microsoft.com/office/drawing/2010/main" val="0"/>
+              </a:ext>
+            </a:extLst>
+          </a:blip>
           <a:stretch>
             <a:fillRect/>
           </a:stretch>
         </p:blipFill>
         <p:spPr>
           <a:xfrm>
-            <a:off x="2864947" y="1770675"/>
-            <a:ext cx="7250678" cy="4102750"/>
+            <a:off x="2209914" y="1471612"/>
+            <a:ext cx="7219836" cy="4239075"/>
           </a:xfrm>
           <a:prstGeom prst="rect">
             <a:avLst/>

--- a/ProjectPresentation.pptx
+++ b/ProjectPresentation.pptx
@@ -5,10 +5,10 @@
     <p:sldMasterId id="2147483696" r:id="rId1"/>
   </p:sldMasterIdLst>
   <p:notesMasterIdLst>
-    <p:notesMasterId r:id="rId23"/>
+    <p:notesMasterId r:id="rId19"/>
   </p:notesMasterIdLst>
   <p:handoutMasterIdLst>
-    <p:handoutMasterId r:id="rId24"/>
+    <p:handoutMasterId r:id="rId20"/>
   </p:handoutMasterIdLst>
   <p:sldIdLst>
     <p:sldId id="257" r:id="rId2"/>
@@ -17,21 +17,17 @@
     <p:sldId id="272" r:id="rId5"/>
     <p:sldId id="273" r:id="rId6"/>
     <p:sldId id="274" r:id="rId7"/>
-    <p:sldId id="275" r:id="rId8"/>
-    <p:sldId id="276" r:id="rId9"/>
-    <p:sldId id="277" r:id="rId10"/>
-    <p:sldId id="278" r:id="rId11"/>
-    <p:sldId id="279" r:id="rId12"/>
-    <p:sldId id="281" r:id="rId13"/>
-    <p:sldId id="283" r:id="rId14"/>
-    <p:sldId id="282" r:id="rId15"/>
-    <p:sldId id="284" r:id="rId16"/>
-    <p:sldId id="286" r:id="rId17"/>
-    <p:sldId id="287" r:id="rId18"/>
-    <p:sldId id="288" r:id="rId19"/>
-    <p:sldId id="289" r:id="rId20"/>
-    <p:sldId id="290" r:id="rId21"/>
-    <p:sldId id="291" r:id="rId22"/>
+    <p:sldId id="276" r:id="rId8"/>
+    <p:sldId id="278" r:id="rId9"/>
+    <p:sldId id="279" r:id="rId10"/>
+    <p:sldId id="281" r:id="rId11"/>
+    <p:sldId id="283" r:id="rId12"/>
+    <p:sldId id="282" r:id="rId13"/>
+    <p:sldId id="286" r:id="rId14"/>
+    <p:sldId id="287" r:id="rId15"/>
+    <p:sldId id="289" r:id="rId16"/>
+    <p:sldId id="290" r:id="rId17"/>
+    <p:sldId id="291" r:id="rId18"/>
   </p:sldIdLst>
   <p:sldSz cx="12192000" cy="6858000"/>
   <p:notesSz cx="6858000" cy="9144000"/>
@@ -250,7 +246,7 @@
             <a:pPr rtl="0"/>
             <a:fld id="{E960F3C6-F72F-4CD2-88BE-3E8F02716FC4}" type="datetime1">
               <a:rPr lang="it-IT" smtClean="0"/>
-              <a:t>30/01/2018</a:t>
+              <a:t>31/01/2018</a:t>
             </a:fld>
             <a:endParaRPr lang="it-IT" dirty="0"/>
           </a:p>
@@ -420,7 +416,7 @@
             <a:pPr rtl="0"/>
             <a:fld id="{6E8933E6-EF01-477A-9F16-F7DB22DF32A9}" type="datetime1">
               <a:rPr lang="it-IT" smtClean="0"/>
-              <a:t>30/01/2018</a:t>
+              <a:t>31/01/2018</a:t>
             </a:fld>
             <a:endParaRPr lang="it-IT" dirty="0"/>
           </a:p>
@@ -869,7 +865,7 @@
     </p:spTree>
     <p:extLst>
       <p:ext uri="{BB962C8B-B14F-4D97-AF65-F5344CB8AC3E}">
-        <p14:creationId xmlns:p14="http://schemas.microsoft.com/office/powerpoint/2010/main" val="2126265472"/>
+        <p14:creationId xmlns:p14="http://schemas.microsoft.com/office/powerpoint/2010/main" val="2629778628"/>
       </p:ext>
     </p:extLst>
   </p:cSld>
@@ -971,7 +967,7 @@
     </p:spTree>
     <p:extLst>
       <p:ext uri="{BB962C8B-B14F-4D97-AF65-F5344CB8AC3E}">
-        <p14:creationId xmlns:p14="http://schemas.microsoft.com/office/powerpoint/2010/main" val="4116177094"/>
+        <p14:creationId xmlns:p14="http://schemas.microsoft.com/office/powerpoint/2010/main" val="2795526261"/>
       </p:ext>
     </p:extLst>
   </p:cSld>
@@ -1073,7 +1069,7 @@
     </p:spTree>
     <p:extLst>
       <p:ext uri="{BB962C8B-B14F-4D97-AF65-F5344CB8AC3E}">
-        <p14:creationId xmlns:p14="http://schemas.microsoft.com/office/powerpoint/2010/main" val="2629778628"/>
+        <p14:creationId xmlns:p14="http://schemas.microsoft.com/office/powerpoint/2010/main" val="322569491"/>
       </p:ext>
     </p:extLst>
   </p:cSld>
@@ -1175,7 +1171,7 @@
     </p:spTree>
     <p:extLst>
       <p:ext uri="{BB962C8B-B14F-4D97-AF65-F5344CB8AC3E}">
-        <p14:creationId xmlns:p14="http://schemas.microsoft.com/office/powerpoint/2010/main" val="2795526261"/>
+        <p14:creationId xmlns:p14="http://schemas.microsoft.com/office/powerpoint/2010/main" val="3179132050"/>
       </p:ext>
     </p:extLst>
   </p:cSld>
@@ -1277,7 +1273,7 @@
     </p:spTree>
     <p:extLst>
       <p:ext uri="{BB962C8B-B14F-4D97-AF65-F5344CB8AC3E}">
-        <p14:creationId xmlns:p14="http://schemas.microsoft.com/office/powerpoint/2010/main" val="322569491"/>
+        <p14:creationId xmlns:p14="http://schemas.microsoft.com/office/powerpoint/2010/main" val="3437837806"/>
       </p:ext>
     </p:extLst>
   </p:cSld>
@@ -1379,7 +1375,7 @@
     </p:spTree>
     <p:extLst>
       <p:ext uri="{BB962C8B-B14F-4D97-AF65-F5344CB8AC3E}">
-        <p14:creationId xmlns:p14="http://schemas.microsoft.com/office/powerpoint/2010/main" val="641577850"/>
+        <p14:creationId xmlns:p14="http://schemas.microsoft.com/office/powerpoint/2010/main" val="4048899409"/>
       </p:ext>
     </p:extLst>
   </p:cSld>
@@ -1481,7 +1477,7 @@
     </p:spTree>
     <p:extLst>
       <p:ext uri="{BB962C8B-B14F-4D97-AF65-F5344CB8AC3E}">
-        <p14:creationId xmlns:p14="http://schemas.microsoft.com/office/powerpoint/2010/main" val="3179132050"/>
+        <p14:creationId xmlns:p14="http://schemas.microsoft.com/office/powerpoint/2010/main" val="2694037429"/>
       </p:ext>
     </p:extLst>
   </p:cSld>
@@ -1583,211 +1579,7 @@
     </p:spTree>
     <p:extLst>
       <p:ext uri="{BB962C8B-B14F-4D97-AF65-F5344CB8AC3E}">
-        <p14:creationId xmlns:p14="http://schemas.microsoft.com/office/powerpoint/2010/main" val="3437837806"/>
-      </p:ext>
-    </p:extLst>
-  </p:cSld>
-  <p:clrMapOvr>
-    <a:masterClrMapping/>
-  </p:clrMapOvr>
-</p:notes>
-</file>
-
-<file path=ppt/notesSlides/notesSlide18.xml><?xml version="1.0" encoding="utf-8"?>
-<p:notes xmlns:a="http://schemas.openxmlformats.org/drawingml/2006/main" xmlns:r="http://schemas.openxmlformats.org/officeDocument/2006/relationships" xmlns:p="http://schemas.openxmlformats.org/presentationml/2006/main">
-  <p:cSld>
-    <p:spTree>
-      <p:nvGrpSpPr>
-        <p:cNvPr id="1" name=""/>
-        <p:cNvGrpSpPr/>
-        <p:nvPr/>
-      </p:nvGrpSpPr>
-      <p:grpSpPr>
-        <a:xfrm>
-          <a:off x="0" y="0"/>
-          <a:ext cx="0" cy="0"/>
-          <a:chOff x="0" y="0"/>
-          <a:chExt cx="0" cy="0"/>
-        </a:xfrm>
-      </p:grpSpPr>
-      <p:sp>
-        <p:nvSpPr>
-          <p:cNvPr id="2" name="Segnaposto immagine diapositiva 1"/>
-          <p:cNvSpPr>
-            <a:spLocks noGrp="1" noRot="1" noChangeAspect="1"/>
-          </p:cNvSpPr>
-          <p:nvPr>
-            <p:ph type="sldImg"/>
-          </p:nvPr>
-        </p:nvSpPr>
-        <p:spPr/>
-      </p:sp>
-      <p:sp>
-        <p:nvSpPr>
-          <p:cNvPr id="3" name="Segnaposto note 2"/>
-          <p:cNvSpPr>
-            <a:spLocks noGrp="1"/>
-          </p:cNvSpPr>
-          <p:nvPr>
-            <p:ph type="body" idx="1"/>
-          </p:nvPr>
-        </p:nvSpPr>
-        <p:spPr/>
-        <p:txBody>
-          <a:bodyPr rtlCol="0"/>
-          <a:lstStyle/>
-          <a:p>
-            <a:pPr marL="171450" indent="-171450" rtl="0">
-              <a:buFont typeface="Arial" panose="020B0604020202020204" pitchFamily="34" charset="0"/>
-              <a:buChar char="•"/>
-            </a:pPr>
-            <a:r>
-              <a:rPr lang="it-IT" dirty="0"/>
-              <a:t>Vantaggi che il pubblico trarrà dalla presentazione: gli adulti sono più interessati a un argomento se sanno come e perché è importante per loro.</a:t>
-            </a:r>
-          </a:p>
-          <a:p>
-            <a:pPr marL="171450" indent="-171450" rtl="0">
-              <a:buFont typeface="Arial" panose="020B0604020202020204" pitchFamily="34" charset="0"/>
-              <a:buChar char="•"/>
-            </a:pPr>
-            <a:r>
-              <a:rPr lang="it-IT" dirty="0"/>
-              <a:t>Livello di competenza in materia del relatore: indicare brevemente la propria esperienza nel settore o spiegare ai partecipanti perché è importante che ascoltino.</a:t>
-            </a:r>
-          </a:p>
-        </p:txBody>
-      </p:sp>
-      <p:sp>
-        <p:nvSpPr>
-          <p:cNvPr id="4" name="Segnaposto numero diapositiva 3"/>
-          <p:cNvSpPr>
-            <a:spLocks noGrp="1"/>
-          </p:cNvSpPr>
-          <p:nvPr>
-            <p:ph type="sldNum" sz="quarter" idx="10"/>
-          </p:nvPr>
-        </p:nvSpPr>
-        <p:spPr/>
-        <p:txBody>
-          <a:bodyPr rtlCol="0"/>
-          <a:lstStyle/>
-          <a:p>
-            <a:pPr rtl="0"/>
-            <a:fld id="{CF2FD335-6D8E-486A-8F5F-DFC7325903FF}" type="slidenum">
-              <a:rPr lang="it-IT" smtClean="0"/>
-              <a:t>18</a:t>
-            </a:fld>
-            <a:endParaRPr lang="it-IT" dirty="0"/>
-          </a:p>
-        </p:txBody>
-      </p:sp>
-    </p:spTree>
-    <p:extLst>
-      <p:ext uri="{BB962C8B-B14F-4D97-AF65-F5344CB8AC3E}">
-        <p14:creationId xmlns:p14="http://schemas.microsoft.com/office/powerpoint/2010/main" val="2938574633"/>
-      </p:ext>
-    </p:extLst>
-  </p:cSld>
-  <p:clrMapOvr>
-    <a:masterClrMapping/>
-  </p:clrMapOvr>
-</p:notes>
-</file>
-
-<file path=ppt/notesSlides/notesSlide19.xml><?xml version="1.0" encoding="utf-8"?>
-<p:notes xmlns:a="http://schemas.openxmlformats.org/drawingml/2006/main" xmlns:r="http://schemas.openxmlformats.org/officeDocument/2006/relationships" xmlns:p="http://schemas.openxmlformats.org/presentationml/2006/main">
-  <p:cSld>
-    <p:spTree>
-      <p:nvGrpSpPr>
-        <p:cNvPr id="1" name=""/>
-        <p:cNvGrpSpPr/>
-        <p:nvPr/>
-      </p:nvGrpSpPr>
-      <p:grpSpPr>
-        <a:xfrm>
-          <a:off x="0" y="0"/>
-          <a:ext cx="0" cy="0"/>
-          <a:chOff x="0" y="0"/>
-          <a:chExt cx="0" cy="0"/>
-        </a:xfrm>
-      </p:grpSpPr>
-      <p:sp>
-        <p:nvSpPr>
-          <p:cNvPr id="2" name="Segnaposto immagine diapositiva 1"/>
-          <p:cNvSpPr>
-            <a:spLocks noGrp="1" noRot="1" noChangeAspect="1"/>
-          </p:cNvSpPr>
-          <p:nvPr>
-            <p:ph type="sldImg"/>
-          </p:nvPr>
-        </p:nvSpPr>
-        <p:spPr/>
-      </p:sp>
-      <p:sp>
-        <p:nvSpPr>
-          <p:cNvPr id="3" name="Segnaposto note 2"/>
-          <p:cNvSpPr>
-            <a:spLocks noGrp="1"/>
-          </p:cNvSpPr>
-          <p:nvPr>
-            <p:ph type="body" idx="1"/>
-          </p:nvPr>
-        </p:nvSpPr>
-        <p:spPr/>
-        <p:txBody>
-          <a:bodyPr rtlCol="0"/>
-          <a:lstStyle/>
-          <a:p>
-            <a:pPr marL="171450" indent="-171450" rtl="0">
-              <a:buFont typeface="Arial" panose="020B0604020202020204" pitchFamily="34" charset="0"/>
-              <a:buChar char="•"/>
-            </a:pPr>
-            <a:r>
-              <a:rPr lang="it-IT" dirty="0"/>
-              <a:t>Vantaggi che il pubblico trarrà dalla presentazione: gli adulti sono più interessati a un argomento se sanno come e perché è importante per loro.</a:t>
-            </a:r>
-          </a:p>
-          <a:p>
-            <a:pPr marL="171450" indent="-171450" rtl="0">
-              <a:buFont typeface="Arial" panose="020B0604020202020204" pitchFamily="34" charset="0"/>
-              <a:buChar char="•"/>
-            </a:pPr>
-            <a:r>
-              <a:rPr lang="it-IT" dirty="0"/>
-              <a:t>Livello di competenza in materia del relatore: indicare brevemente la propria esperienza nel settore o spiegare ai partecipanti perché è importante che ascoltino.</a:t>
-            </a:r>
-          </a:p>
-        </p:txBody>
-      </p:sp>
-      <p:sp>
-        <p:nvSpPr>
-          <p:cNvPr id="4" name="Segnaposto numero diapositiva 3"/>
-          <p:cNvSpPr>
-            <a:spLocks noGrp="1"/>
-          </p:cNvSpPr>
-          <p:nvPr>
-            <p:ph type="sldNum" sz="quarter" idx="10"/>
-          </p:nvPr>
-        </p:nvSpPr>
-        <p:spPr/>
-        <p:txBody>
-          <a:bodyPr rtlCol="0"/>
-          <a:lstStyle/>
-          <a:p>
-            <a:pPr rtl="0"/>
-            <a:fld id="{CF2FD335-6D8E-486A-8F5F-DFC7325903FF}" type="slidenum">
-              <a:rPr lang="it-IT" smtClean="0"/>
-              <a:t>19</a:t>
-            </a:fld>
-            <a:endParaRPr lang="it-IT" dirty="0"/>
-          </a:p>
-        </p:txBody>
-      </p:sp>
-    </p:spTree>
-    <p:extLst>
-      <p:ext uri="{BB962C8B-B14F-4D97-AF65-F5344CB8AC3E}">
-        <p14:creationId xmlns:p14="http://schemas.microsoft.com/office/powerpoint/2010/main" val="4048899409"/>
+        <p14:creationId xmlns:p14="http://schemas.microsoft.com/office/powerpoint/2010/main" val="4247728939"/>
       </p:ext>
     </p:extLst>
   </p:cSld>
@@ -1890,210 +1682,6 @@
     <p:extLst>
       <p:ext uri="{BB962C8B-B14F-4D97-AF65-F5344CB8AC3E}">
         <p14:creationId xmlns:p14="http://schemas.microsoft.com/office/powerpoint/2010/main" val="118867002"/>
-      </p:ext>
-    </p:extLst>
-  </p:cSld>
-  <p:clrMapOvr>
-    <a:masterClrMapping/>
-  </p:clrMapOvr>
-</p:notes>
-</file>
-
-<file path=ppt/notesSlides/notesSlide20.xml><?xml version="1.0" encoding="utf-8"?>
-<p:notes xmlns:a="http://schemas.openxmlformats.org/drawingml/2006/main" xmlns:r="http://schemas.openxmlformats.org/officeDocument/2006/relationships" xmlns:p="http://schemas.openxmlformats.org/presentationml/2006/main">
-  <p:cSld>
-    <p:spTree>
-      <p:nvGrpSpPr>
-        <p:cNvPr id="1" name=""/>
-        <p:cNvGrpSpPr/>
-        <p:nvPr/>
-      </p:nvGrpSpPr>
-      <p:grpSpPr>
-        <a:xfrm>
-          <a:off x="0" y="0"/>
-          <a:ext cx="0" cy="0"/>
-          <a:chOff x="0" y="0"/>
-          <a:chExt cx="0" cy="0"/>
-        </a:xfrm>
-      </p:grpSpPr>
-      <p:sp>
-        <p:nvSpPr>
-          <p:cNvPr id="2" name="Segnaposto immagine diapositiva 1"/>
-          <p:cNvSpPr>
-            <a:spLocks noGrp="1" noRot="1" noChangeAspect="1"/>
-          </p:cNvSpPr>
-          <p:nvPr>
-            <p:ph type="sldImg"/>
-          </p:nvPr>
-        </p:nvSpPr>
-        <p:spPr/>
-      </p:sp>
-      <p:sp>
-        <p:nvSpPr>
-          <p:cNvPr id="3" name="Segnaposto note 2"/>
-          <p:cNvSpPr>
-            <a:spLocks noGrp="1"/>
-          </p:cNvSpPr>
-          <p:nvPr>
-            <p:ph type="body" idx="1"/>
-          </p:nvPr>
-        </p:nvSpPr>
-        <p:spPr/>
-        <p:txBody>
-          <a:bodyPr rtlCol="0"/>
-          <a:lstStyle/>
-          <a:p>
-            <a:pPr marL="171450" indent="-171450" rtl="0">
-              <a:buFont typeface="Arial" panose="020B0604020202020204" pitchFamily="34" charset="0"/>
-              <a:buChar char="•"/>
-            </a:pPr>
-            <a:r>
-              <a:rPr lang="it-IT" dirty="0"/>
-              <a:t>Vantaggi che il pubblico trarrà dalla presentazione: gli adulti sono più interessati a un argomento se sanno come e perché è importante per loro.</a:t>
-            </a:r>
-          </a:p>
-          <a:p>
-            <a:pPr marL="171450" indent="-171450" rtl="0">
-              <a:buFont typeface="Arial" panose="020B0604020202020204" pitchFamily="34" charset="0"/>
-              <a:buChar char="•"/>
-            </a:pPr>
-            <a:r>
-              <a:rPr lang="it-IT" dirty="0"/>
-              <a:t>Livello di competenza in materia del relatore: indicare brevemente la propria esperienza nel settore o spiegare ai partecipanti perché è importante che ascoltino.</a:t>
-            </a:r>
-          </a:p>
-        </p:txBody>
-      </p:sp>
-      <p:sp>
-        <p:nvSpPr>
-          <p:cNvPr id="4" name="Segnaposto numero diapositiva 3"/>
-          <p:cNvSpPr>
-            <a:spLocks noGrp="1"/>
-          </p:cNvSpPr>
-          <p:nvPr>
-            <p:ph type="sldNum" sz="quarter" idx="10"/>
-          </p:nvPr>
-        </p:nvSpPr>
-        <p:spPr/>
-        <p:txBody>
-          <a:bodyPr rtlCol="0"/>
-          <a:lstStyle/>
-          <a:p>
-            <a:pPr rtl="0"/>
-            <a:fld id="{CF2FD335-6D8E-486A-8F5F-DFC7325903FF}" type="slidenum">
-              <a:rPr lang="it-IT" smtClean="0"/>
-              <a:t>20</a:t>
-            </a:fld>
-            <a:endParaRPr lang="it-IT" dirty="0"/>
-          </a:p>
-        </p:txBody>
-      </p:sp>
-    </p:spTree>
-    <p:extLst>
-      <p:ext uri="{BB962C8B-B14F-4D97-AF65-F5344CB8AC3E}">
-        <p14:creationId xmlns:p14="http://schemas.microsoft.com/office/powerpoint/2010/main" val="2694037429"/>
-      </p:ext>
-    </p:extLst>
-  </p:cSld>
-  <p:clrMapOvr>
-    <a:masterClrMapping/>
-  </p:clrMapOvr>
-</p:notes>
-</file>
-
-<file path=ppt/notesSlides/notesSlide21.xml><?xml version="1.0" encoding="utf-8"?>
-<p:notes xmlns:a="http://schemas.openxmlformats.org/drawingml/2006/main" xmlns:r="http://schemas.openxmlformats.org/officeDocument/2006/relationships" xmlns:p="http://schemas.openxmlformats.org/presentationml/2006/main">
-  <p:cSld>
-    <p:spTree>
-      <p:nvGrpSpPr>
-        <p:cNvPr id="1" name=""/>
-        <p:cNvGrpSpPr/>
-        <p:nvPr/>
-      </p:nvGrpSpPr>
-      <p:grpSpPr>
-        <a:xfrm>
-          <a:off x="0" y="0"/>
-          <a:ext cx="0" cy="0"/>
-          <a:chOff x="0" y="0"/>
-          <a:chExt cx="0" cy="0"/>
-        </a:xfrm>
-      </p:grpSpPr>
-      <p:sp>
-        <p:nvSpPr>
-          <p:cNvPr id="2" name="Segnaposto immagine diapositiva 1"/>
-          <p:cNvSpPr>
-            <a:spLocks noGrp="1" noRot="1" noChangeAspect="1"/>
-          </p:cNvSpPr>
-          <p:nvPr>
-            <p:ph type="sldImg"/>
-          </p:nvPr>
-        </p:nvSpPr>
-        <p:spPr/>
-      </p:sp>
-      <p:sp>
-        <p:nvSpPr>
-          <p:cNvPr id="3" name="Segnaposto note 2"/>
-          <p:cNvSpPr>
-            <a:spLocks noGrp="1"/>
-          </p:cNvSpPr>
-          <p:nvPr>
-            <p:ph type="body" idx="1"/>
-          </p:nvPr>
-        </p:nvSpPr>
-        <p:spPr/>
-        <p:txBody>
-          <a:bodyPr rtlCol="0"/>
-          <a:lstStyle/>
-          <a:p>
-            <a:pPr marL="171450" indent="-171450" rtl="0">
-              <a:buFont typeface="Arial" panose="020B0604020202020204" pitchFamily="34" charset="0"/>
-              <a:buChar char="•"/>
-            </a:pPr>
-            <a:r>
-              <a:rPr lang="it-IT" dirty="0"/>
-              <a:t>Vantaggi che il pubblico trarrà dalla presentazione: gli adulti sono più interessati a un argomento se sanno come e perché è importante per loro.</a:t>
-            </a:r>
-          </a:p>
-          <a:p>
-            <a:pPr marL="171450" indent="-171450" rtl="0">
-              <a:buFont typeface="Arial" panose="020B0604020202020204" pitchFamily="34" charset="0"/>
-              <a:buChar char="•"/>
-            </a:pPr>
-            <a:r>
-              <a:rPr lang="it-IT" dirty="0"/>
-              <a:t>Livello di competenza in materia del relatore: indicare brevemente la propria esperienza nel settore o spiegare ai partecipanti perché è importante che ascoltino.</a:t>
-            </a:r>
-          </a:p>
-        </p:txBody>
-      </p:sp>
-      <p:sp>
-        <p:nvSpPr>
-          <p:cNvPr id="4" name="Segnaposto numero diapositiva 3"/>
-          <p:cNvSpPr>
-            <a:spLocks noGrp="1"/>
-          </p:cNvSpPr>
-          <p:nvPr>
-            <p:ph type="sldNum" sz="quarter" idx="10"/>
-          </p:nvPr>
-        </p:nvSpPr>
-        <p:spPr/>
-        <p:txBody>
-          <a:bodyPr rtlCol="0"/>
-          <a:lstStyle/>
-          <a:p>
-            <a:pPr rtl="0"/>
-            <a:fld id="{CF2FD335-6D8E-486A-8F5F-DFC7325903FF}" type="slidenum">
-              <a:rPr lang="it-IT" smtClean="0"/>
-              <a:t>21</a:t>
-            </a:fld>
-            <a:endParaRPr lang="it-IT" dirty="0"/>
-          </a:p>
-        </p:txBody>
-      </p:sp>
-    </p:spTree>
-    <p:extLst>
-      <p:ext uri="{BB962C8B-B14F-4D97-AF65-F5344CB8AC3E}">
-        <p14:creationId xmlns:p14="http://schemas.microsoft.com/office/powerpoint/2010/main" val="4247728939"/>
       </p:ext>
     </p:extLst>
   </p:cSld>
@@ -2603,7 +2191,7 @@
     </p:spTree>
     <p:extLst>
       <p:ext uri="{BB962C8B-B14F-4D97-AF65-F5344CB8AC3E}">
-        <p14:creationId xmlns:p14="http://schemas.microsoft.com/office/powerpoint/2010/main" val="1927077341"/>
+        <p14:creationId xmlns:p14="http://schemas.microsoft.com/office/powerpoint/2010/main" val="1676009106"/>
       </p:ext>
     </p:extLst>
   </p:cSld>
@@ -2705,7 +2293,7 @@
     </p:spTree>
     <p:extLst>
       <p:ext uri="{BB962C8B-B14F-4D97-AF65-F5344CB8AC3E}">
-        <p14:creationId xmlns:p14="http://schemas.microsoft.com/office/powerpoint/2010/main" val="1676009106"/>
+        <p14:creationId xmlns:p14="http://schemas.microsoft.com/office/powerpoint/2010/main" val="2126265472"/>
       </p:ext>
     </p:extLst>
   </p:cSld>
@@ -2807,7 +2395,7 @@
     </p:spTree>
     <p:extLst>
       <p:ext uri="{BB962C8B-B14F-4D97-AF65-F5344CB8AC3E}">
-        <p14:creationId xmlns:p14="http://schemas.microsoft.com/office/powerpoint/2010/main" val="950241956"/>
+        <p14:creationId xmlns:p14="http://schemas.microsoft.com/office/powerpoint/2010/main" val="4116177094"/>
       </p:ext>
     </p:extLst>
   </p:cSld>
@@ -3526,7 +3114,7 @@
             <a:pPr rtl="0"/>
             <a:fld id="{8A0EBC56-5F8C-4B5D-98A8-4F1D09312B3A}" type="datetime1">
               <a:rPr lang="it-IT" smtClean="0"/>
-              <a:t>30/01/2018</a:t>
+              <a:t>31/01/2018</a:t>
             </a:fld>
             <a:endParaRPr lang="it-IT" dirty="0"/>
           </a:p>
@@ -3735,7 +3323,7 @@
             <a:pPr rtl="0"/>
             <a:fld id="{D1C18A07-A655-4DCE-BF39-E7BD2ACB7DFF}" type="datetime1">
               <a:rPr lang="it-IT" smtClean="0"/>
-              <a:t>30/01/2018</a:t>
+              <a:t>31/01/2018</a:t>
             </a:fld>
             <a:endParaRPr lang="it-IT" dirty="0"/>
           </a:p>
@@ -3941,7 +3529,7 @@
             <a:pPr rtl="0"/>
             <a:fld id="{E4FF80C7-7254-411E-A4C5-1B9D73524654}" type="datetime1">
               <a:rPr lang="it-IT" smtClean="0"/>
-              <a:t>30/01/2018</a:t>
+              <a:t>31/01/2018</a:t>
             </a:fld>
             <a:endParaRPr lang="it-IT" dirty="0"/>
           </a:p>
@@ -4140,7 +3728,7 @@
             <a:pPr rtl="0"/>
             <a:fld id="{26B63033-D228-4CE2-8746-E28B1BE870AD}" type="datetime1">
               <a:rPr lang="it-IT" smtClean="0"/>
-              <a:t>30/01/2018</a:t>
+              <a:t>31/01/2018</a:t>
             </a:fld>
             <a:endParaRPr lang="it-IT" dirty="0"/>
           </a:p>
@@ -4379,7 +3967,7 @@
             <a:pPr rtl="0"/>
             <a:fld id="{F0C8626E-29B7-474C-870F-627A64362DAD}" type="datetime1">
               <a:rPr lang="it-IT" smtClean="0"/>
-              <a:t>30/01/2018</a:t>
+              <a:t>31/01/2018</a:t>
             </a:fld>
             <a:endParaRPr lang="it-IT" dirty="0"/>
           </a:p>
@@ -4662,7 +4250,7 @@
             <a:pPr rtl="0"/>
             <a:fld id="{E07F197F-1844-464C-9A8D-F1E555AB4634}" type="datetime1">
               <a:rPr lang="it-IT" smtClean="0"/>
-              <a:t>30/01/2018</a:t>
+              <a:t>31/01/2018</a:t>
             </a:fld>
             <a:endParaRPr lang="it-IT" dirty="0"/>
           </a:p>
@@ -5108,7 +4696,7 @@
             <a:pPr rtl="0"/>
             <a:fld id="{F7F5235C-8912-4B97-9530-FC94A1B4F326}" type="datetime1">
               <a:rPr lang="it-IT" smtClean="0"/>
-              <a:t>30/01/2018</a:t>
+              <a:t>31/01/2018</a:t>
             </a:fld>
             <a:endParaRPr lang="it-IT" dirty="0"/>
           </a:p>
@@ -5268,7 +4856,7 @@
             <a:pPr rtl="0"/>
             <a:fld id="{BB59B18B-BBC9-4C3A-8AD4-C457578C78AA}" type="datetime1">
               <a:rPr lang="it-IT" smtClean="0"/>
-              <a:t>30/01/2018</a:t>
+              <a:t>31/01/2018</a:t>
             </a:fld>
             <a:endParaRPr lang="it-IT" dirty="0"/>
           </a:p>
@@ -5386,7 +4974,7 @@
             <a:pPr rtl="0"/>
             <a:fld id="{516B5E0C-9F8A-49D2-8EB8-86F73AD7015F}" type="datetime1">
               <a:rPr lang="it-IT" smtClean="0"/>
-              <a:t>30/01/2018</a:t>
+              <a:t>31/01/2018</a:t>
             </a:fld>
             <a:endParaRPr lang="it-IT" dirty="0"/>
           </a:p>
@@ -5654,7 +5242,7 @@
             <a:pPr rtl="0"/>
             <a:fld id="{640F554B-CDAA-4E7E-B954-9B769FBD8FD2}" type="datetime1">
               <a:rPr lang="it-IT" smtClean="0"/>
-              <a:t>30/01/2018</a:t>
+              <a:t>31/01/2018</a:t>
             </a:fld>
             <a:endParaRPr lang="it-IT" dirty="0"/>
           </a:p>
@@ -5923,7 +5511,7 @@
             <a:pPr rtl="0"/>
             <a:fld id="{515A7090-FD05-4F2D-A978-F97B6598DAA9}" type="datetime1">
               <a:rPr lang="it-IT" smtClean="0"/>
-              <a:t>30/01/2018</a:t>
+              <a:t>31/01/2018</a:t>
             </a:fld>
             <a:endParaRPr lang="it-IT" dirty="0"/>
           </a:p>
@@ -6789,7 +6377,7 @@
             <a:pPr rtl="0"/>
             <a:fld id="{9F0A5FDE-5D5C-499D-BD22-6F7F59261447}" type="datetime1">
               <a:rPr lang="it-IT" smtClean="0"/>
-              <a:t>30/01/2018</a:t>
+              <a:t>31/01/2018</a:t>
             </a:fld>
             <a:endParaRPr lang="it-IT" dirty="0"/>
           </a:p>
@@ -7361,230 +6949,6 @@
           <a:p>
             <a:pPr rtl="0"/>
             <a:r>
-              <a:rPr lang="it-IT" dirty="0"/>
-              <a:t>Component </a:t>
-            </a:r>
-            <a:r>
-              <a:rPr lang="it-IT" dirty="0" err="1"/>
-              <a:t>view</a:t>
-            </a:r>
-            <a:r>
-              <a:rPr lang="it-IT" dirty="0"/>
-              <a:t> – </a:t>
-            </a:r>
-            <a:r>
-              <a:rPr lang="it-IT" dirty="0" err="1"/>
-              <a:t>installed</a:t>
-            </a:r>
-            <a:r>
-              <a:rPr lang="it-IT" dirty="0"/>
-              <a:t> </a:t>
-            </a:r>
-            <a:r>
-              <a:rPr lang="it-IT" dirty="0" err="1"/>
-              <a:t>application</a:t>
-            </a:r>
-            <a:endParaRPr lang="it-IT" dirty="0"/>
-          </a:p>
-        </p:txBody>
-      </p:sp>
-      <p:pic>
-        <p:nvPicPr>
-          <p:cNvPr id="5" name="Immagine 4">
-            <a:extLst>
-              <a:ext uri="{FF2B5EF4-FFF2-40B4-BE49-F238E27FC236}">
-                <a16:creationId xmlns:a16="http://schemas.microsoft.com/office/drawing/2014/main" id="{7BEBFAFF-D082-472D-B22D-BF7A486D05F7}"/>
-              </a:ext>
-            </a:extLst>
-          </p:cNvPr>
-          <p:cNvPicPr>
-            <a:picLocks noChangeAspect="1"/>
-          </p:cNvPicPr>
-          <p:nvPr/>
-        </p:nvPicPr>
-        <p:blipFill>
-          <a:blip r:embed="rId3">
-            <a:extLst>
-              <a:ext uri="{28A0092B-C50C-407E-A947-70E740481C1C}">
-                <a14:useLocalDpi xmlns:a14="http://schemas.microsoft.com/office/drawing/2010/main" val="0"/>
-              </a:ext>
-            </a:extLst>
-          </a:blip>
-          <a:stretch>
-            <a:fillRect/>
-          </a:stretch>
-        </p:blipFill>
-        <p:spPr>
-          <a:xfrm>
-            <a:off x="2209914" y="1471612"/>
-            <a:ext cx="7219836" cy="4239075"/>
-          </a:xfrm>
-          <a:prstGeom prst="rect">
-            <a:avLst/>
-          </a:prstGeom>
-        </p:spPr>
-      </p:pic>
-    </p:spTree>
-    <p:extLst>
-      <p:ext uri="{BB962C8B-B14F-4D97-AF65-F5344CB8AC3E}">
-        <p14:creationId xmlns:p14="http://schemas.microsoft.com/office/powerpoint/2010/main" val="3835329107"/>
-      </p:ext>
-    </p:extLst>
-  </p:cSld>
-  <p:clrMapOvr>
-    <a:masterClrMapping/>
-  </p:clrMapOvr>
-  <mc:AlternateContent xmlns:mc="http://schemas.openxmlformats.org/markup-compatibility/2006" xmlns:p14="http://schemas.microsoft.com/office/powerpoint/2010/main">
-    <mc:Choice Requires="p14">
-      <p:transition spd="med" p14:dur="700">
-        <p:fade/>
-      </p:transition>
-    </mc:Choice>
-    <mc:Fallback xmlns="">
-      <p:transition spd="med">
-        <p:fade/>
-      </p:transition>
-    </mc:Fallback>
-  </mc:AlternateContent>
-</p:sld>
-</file>
-
-<file path=ppt/slides/slide11.xml><?xml version="1.0" encoding="utf-8"?>
-<p:sld xmlns:a="http://schemas.openxmlformats.org/drawingml/2006/main" xmlns:r="http://schemas.openxmlformats.org/officeDocument/2006/relationships" xmlns:p="http://schemas.openxmlformats.org/presentationml/2006/main">
-  <p:cSld>
-    <p:spTree>
-      <p:nvGrpSpPr>
-        <p:cNvPr id="1" name=""/>
-        <p:cNvGrpSpPr/>
-        <p:nvPr/>
-      </p:nvGrpSpPr>
-      <p:grpSpPr>
-        <a:xfrm>
-          <a:off x="0" y="0"/>
-          <a:ext cx="0" cy="0"/>
-          <a:chOff x="0" y="0"/>
-          <a:chExt cx="0" cy="0"/>
-        </a:xfrm>
-      </p:grpSpPr>
-      <p:sp>
-        <p:nvSpPr>
-          <p:cNvPr id="2" name="Titolo 1"/>
-          <p:cNvSpPr>
-            <a:spLocks noGrp="1"/>
-          </p:cNvSpPr>
-          <p:nvPr>
-            <p:ph type="title"/>
-          </p:nvPr>
-        </p:nvSpPr>
-        <p:spPr>
-          <a:xfrm>
-            <a:off x="609600" y="447675"/>
-            <a:ext cx="10972800" cy="1066800"/>
-          </a:xfrm>
-        </p:spPr>
-        <p:txBody>
-          <a:bodyPr rtlCol="0"/>
-          <a:lstStyle/>
-          <a:p>
-            <a:pPr rtl="0"/>
-            <a:endParaRPr lang="it-IT" dirty="0"/>
-          </a:p>
-        </p:txBody>
-      </p:sp>
-      <p:pic>
-        <p:nvPicPr>
-          <p:cNvPr id="3" name="Immagine 2">
-            <a:extLst>
-              <a:ext uri="{FF2B5EF4-FFF2-40B4-BE49-F238E27FC236}">
-                <a16:creationId xmlns:a16="http://schemas.microsoft.com/office/drawing/2014/main" id="{BBF507AE-0504-4451-9DB7-A91284CD0231}"/>
-              </a:ext>
-            </a:extLst>
-          </p:cNvPr>
-          <p:cNvPicPr>
-            <a:picLocks noChangeAspect="1"/>
-          </p:cNvPicPr>
-          <p:nvPr/>
-        </p:nvPicPr>
-        <p:blipFill>
-          <a:blip r:embed="rId3"/>
-          <a:stretch>
-            <a:fillRect/>
-          </a:stretch>
-        </p:blipFill>
-        <p:spPr>
-          <a:xfrm>
-            <a:off x="2228850" y="603036"/>
-            <a:ext cx="7229475" cy="6393414"/>
-          </a:xfrm>
-          <a:prstGeom prst="rect">
-            <a:avLst/>
-          </a:prstGeom>
-        </p:spPr>
-      </p:pic>
-    </p:spTree>
-    <p:extLst>
-      <p:ext uri="{BB962C8B-B14F-4D97-AF65-F5344CB8AC3E}">
-        <p14:creationId xmlns:p14="http://schemas.microsoft.com/office/powerpoint/2010/main" val="1330004994"/>
-      </p:ext>
-    </p:extLst>
-  </p:cSld>
-  <p:clrMapOvr>
-    <a:masterClrMapping/>
-  </p:clrMapOvr>
-  <mc:AlternateContent xmlns:mc="http://schemas.openxmlformats.org/markup-compatibility/2006" xmlns:p14="http://schemas.microsoft.com/office/powerpoint/2010/main">
-    <mc:Choice Requires="p14">
-      <p:transition spd="med" p14:dur="700">
-        <p:fade/>
-      </p:transition>
-    </mc:Choice>
-    <mc:Fallback xmlns="">
-      <p:transition spd="med">
-        <p:fade/>
-      </p:transition>
-    </mc:Fallback>
-  </mc:AlternateContent>
-</p:sld>
-</file>
-
-<file path=ppt/slides/slide12.xml><?xml version="1.0" encoding="utf-8"?>
-<p:sld xmlns:a="http://schemas.openxmlformats.org/drawingml/2006/main" xmlns:r="http://schemas.openxmlformats.org/officeDocument/2006/relationships" xmlns:p="http://schemas.openxmlformats.org/presentationml/2006/main">
-  <p:cSld>
-    <p:spTree>
-      <p:nvGrpSpPr>
-        <p:cNvPr id="1" name=""/>
-        <p:cNvGrpSpPr/>
-        <p:nvPr/>
-      </p:nvGrpSpPr>
-      <p:grpSpPr>
-        <a:xfrm>
-          <a:off x="0" y="0"/>
-          <a:ext cx="0" cy="0"/>
-          <a:chOff x="0" y="0"/>
-          <a:chExt cx="0" cy="0"/>
-        </a:xfrm>
-      </p:grpSpPr>
-      <p:sp>
-        <p:nvSpPr>
-          <p:cNvPr id="2" name="Titolo 1"/>
-          <p:cNvSpPr>
-            <a:spLocks noGrp="1"/>
-          </p:cNvSpPr>
-          <p:nvPr>
-            <p:ph type="title"/>
-          </p:nvPr>
-        </p:nvSpPr>
-        <p:spPr>
-          <a:xfrm>
-            <a:off x="609600" y="447675"/>
-            <a:ext cx="10972800" cy="1066800"/>
-          </a:xfrm>
-        </p:spPr>
-        <p:txBody>
-          <a:bodyPr rtlCol="0"/>
-          <a:lstStyle/>
-          <a:p>
-            <a:pPr rtl="0"/>
-            <a:r>
               <a:rPr lang="it-IT" dirty="0" err="1"/>
               <a:t>Algorithmic</a:t>
             </a:r>
@@ -7654,7 +7018,7 @@
 </p:sld>
 </file>
 
-<file path=ppt/slides/slide13.xml><?xml version="1.0" encoding="utf-8"?>
+<file path=ppt/slides/slide11.xml><?xml version="1.0" encoding="utf-8"?>
 <p:sld xmlns:a="http://schemas.openxmlformats.org/drawingml/2006/main" xmlns:r="http://schemas.openxmlformats.org/officeDocument/2006/relationships" xmlns:p="http://schemas.openxmlformats.org/presentationml/2006/main">
   <p:cSld>
     <p:spTree>
@@ -7765,7 +7129,7 @@
 </p:sld>
 </file>
 
-<file path=ppt/slides/slide14.xml><?xml version="1.0" encoding="utf-8"?>
+<file path=ppt/slides/slide12.xml><?xml version="1.0" encoding="utf-8"?>
 <p:sld xmlns:a="http://schemas.openxmlformats.org/drawingml/2006/main" xmlns:r="http://schemas.openxmlformats.org/officeDocument/2006/relationships" xmlns:p="http://schemas.openxmlformats.org/presentationml/2006/main">
   <p:cSld>
     <p:spTree>
@@ -7878,120 +7242,7 @@
 </p:sld>
 </file>
 
-<file path=ppt/slides/slide15.xml><?xml version="1.0" encoding="utf-8"?>
-<p:sld xmlns:a="http://schemas.openxmlformats.org/drawingml/2006/main" xmlns:r="http://schemas.openxmlformats.org/officeDocument/2006/relationships" xmlns:p="http://schemas.openxmlformats.org/presentationml/2006/main">
-  <p:cSld>
-    <p:spTree>
-      <p:nvGrpSpPr>
-        <p:cNvPr id="1" name=""/>
-        <p:cNvGrpSpPr/>
-        <p:nvPr/>
-      </p:nvGrpSpPr>
-      <p:grpSpPr>
-        <a:xfrm>
-          <a:off x="0" y="0"/>
-          <a:ext cx="0" cy="0"/>
-          <a:chOff x="0" y="0"/>
-          <a:chExt cx="0" cy="0"/>
-        </a:xfrm>
-      </p:grpSpPr>
-      <p:sp>
-        <p:nvSpPr>
-          <p:cNvPr id="2" name="Titolo 1"/>
-          <p:cNvSpPr>
-            <a:spLocks noGrp="1"/>
-          </p:cNvSpPr>
-          <p:nvPr>
-            <p:ph type="title"/>
-          </p:nvPr>
-        </p:nvSpPr>
-        <p:spPr>
-          <a:xfrm>
-            <a:off x="609600" y="447675"/>
-            <a:ext cx="10972800" cy="1066800"/>
-          </a:xfrm>
-        </p:spPr>
-        <p:txBody>
-          <a:bodyPr rtlCol="0">
-            <a:normAutofit/>
-          </a:bodyPr>
-          <a:lstStyle/>
-          <a:p>
-            <a:pPr rtl="0"/>
-            <a:r>
-              <a:rPr lang="it-IT" dirty="0" err="1"/>
-              <a:t>Algorithmic</a:t>
-            </a:r>
-            <a:r>
-              <a:rPr lang="it-IT" dirty="0"/>
-              <a:t> part in a </a:t>
-            </a:r>
-            <a:r>
-              <a:rPr lang="it-IT" dirty="0" err="1"/>
-              <a:t>nutshell</a:t>
-            </a:r>
-            <a:r>
-              <a:rPr lang="it-IT" dirty="0"/>
-              <a:t> – III</a:t>
-            </a:r>
-          </a:p>
-        </p:txBody>
-      </p:sp>
-      <p:pic>
-        <p:nvPicPr>
-          <p:cNvPr id="3" name="Immagine 2">
-            <a:extLst>
-              <a:ext uri="{FF2B5EF4-FFF2-40B4-BE49-F238E27FC236}">
-                <a16:creationId xmlns:a16="http://schemas.microsoft.com/office/drawing/2014/main" id="{F4D52916-F645-401A-B47C-0F648DC4511A}"/>
-              </a:ext>
-            </a:extLst>
-          </p:cNvPr>
-          <p:cNvPicPr>
-            <a:picLocks noChangeAspect="1"/>
-          </p:cNvPicPr>
-          <p:nvPr/>
-        </p:nvPicPr>
-        <p:blipFill rotWithShape="1">
-          <a:blip r:embed="rId3"/>
-          <a:srcRect l="19141" t="32784" r="18047" b="15139"/>
-          <a:stretch/>
-        </p:blipFill>
-        <p:spPr>
-          <a:xfrm>
-            <a:off x="152401" y="1428750"/>
-            <a:ext cx="10477500" cy="4886326"/>
-          </a:xfrm>
-          <a:prstGeom prst="rect">
-            <a:avLst/>
-          </a:prstGeom>
-        </p:spPr>
-      </p:pic>
-    </p:spTree>
-    <p:extLst>
-      <p:ext uri="{BB962C8B-B14F-4D97-AF65-F5344CB8AC3E}">
-        <p14:creationId xmlns:p14="http://schemas.microsoft.com/office/powerpoint/2010/main" val="3195812858"/>
-      </p:ext>
-    </p:extLst>
-  </p:cSld>
-  <p:clrMapOvr>
-    <a:masterClrMapping/>
-  </p:clrMapOvr>
-  <mc:AlternateContent xmlns:mc="http://schemas.openxmlformats.org/markup-compatibility/2006" xmlns:p14="http://schemas.microsoft.com/office/powerpoint/2010/main">
-    <mc:Choice Requires="p14">
-      <p:transition spd="med" p14:dur="700">
-        <p:fade/>
-      </p:transition>
-    </mc:Choice>
-    <mc:Fallback xmlns="">
-      <p:transition spd="med">
-        <p:fade/>
-      </p:transition>
-    </mc:Fallback>
-  </mc:AlternateContent>
-</p:sld>
-</file>
-
-<file path=ppt/slides/slide16.xml><?xml version="1.0" encoding="utf-8"?>
+<file path=ppt/slides/slide13.xml><?xml version="1.0" encoding="utf-8"?>
 <p:sld xmlns:a="http://schemas.openxmlformats.org/drawingml/2006/main" xmlns:r="http://schemas.openxmlformats.org/officeDocument/2006/relationships" xmlns:p="http://schemas.openxmlformats.org/presentationml/2006/main">
   <p:cSld>
     <p:spTree>
@@ -8128,7 +7379,7 @@
 </p:sld>
 </file>
 
-<file path=ppt/slides/slide17.xml><?xml version="1.0" encoding="utf-8"?>
+<file path=ppt/slides/slide14.xml><?xml version="1.0" encoding="utf-8"?>
 <p:sld xmlns:a="http://schemas.openxmlformats.org/drawingml/2006/main" xmlns:r="http://schemas.openxmlformats.org/officeDocument/2006/relationships" xmlns:p="http://schemas.openxmlformats.org/presentationml/2006/main">
   <p:cSld>
     <p:spTree>
@@ -8265,144 +7516,7 @@
 </p:sld>
 </file>
 
-<file path=ppt/slides/slide18.xml><?xml version="1.0" encoding="utf-8"?>
-<p:sld xmlns:a="http://schemas.openxmlformats.org/drawingml/2006/main" xmlns:r="http://schemas.openxmlformats.org/officeDocument/2006/relationships" xmlns:p="http://schemas.openxmlformats.org/presentationml/2006/main">
-  <p:cSld>
-    <p:spTree>
-      <p:nvGrpSpPr>
-        <p:cNvPr id="1" name=""/>
-        <p:cNvGrpSpPr/>
-        <p:nvPr/>
-      </p:nvGrpSpPr>
-      <p:grpSpPr>
-        <a:xfrm>
-          <a:off x="0" y="0"/>
-          <a:ext cx="0" cy="0"/>
-          <a:chOff x="0" y="0"/>
-          <a:chExt cx="0" cy="0"/>
-        </a:xfrm>
-      </p:grpSpPr>
-      <p:sp>
-        <p:nvSpPr>
-          <p:cNvPr id="2" name="Titolo 1"/>
-          <p:cNvSpPr>
-            <a:spLocks noGrp="1"/>
-          </p:cNvSpPr>
-          <p:nvPr>
-            <p:ph type="title"/>
-          </p:nvPr>
-        </p:nvSpPr>
-        <p:spPr>
-          <a:xfrm>
-            <a:off x="609600" y="219075"/>
-            <a:ext cx="10972800" cy="1066800"/>
-          </a:xfrm>
-        </p:spPr>
-        <p:txBody>
-          <a:bodyPr rtlCol="0">
-            <a:normAutofit/>
-          </a:bodyPr>
-          <a:lstStyle/>
-          <a:p>
-            <a:pPr rtl="0"/>
-            <a:r>
-              <a:rPr lang="it-IT" dirty="0"/>
-              <a:t>Integration </a:t>
-            </a:r>
-            <a:r>
-              <a:rPr lang="it-IT" dirty="0" err="1"/>
-              <a:t>testing</a:t>
-            </a:r>
-            <a:endParaRPr lang="it-IT" dirty="0"/>
-          </a:p>
-        </p:txBody>
-      </p:sp>
-      <p:pic>
-        <p:nvPicPr>
-          <p:cNvPr id="3" name="Immagine 2">
-            <a:extLst>
-              <a:ext uri="{FF2B5EF4-FFF2-40B4-BE49-F238E27FC236}">
-                <a16:creationId xmlns:a16="http://schemas.microsoft.com/office/drawing/2014/main" id="{62C3C790-EFB9-43AC-916D-F11227528D0E}"/>
-              </a:ext>
-            </a:extLst>
-          </p:cNvPr>
-          <p:cNvPicPr>
-            <a:picLocks noChangeAspect="1"/>
-          </p:cNvPicPr>
-          <p:nvPr/>
-        </p:nvPicPr>
-        <p:blipFill>
-          <a:blip r:embed="rId3"/>
-          <a:stretch>
-            <a:fillRect/>
-          </a:stretch>
-        </p:blipFill>
-        <p:spPr>
-          <a:xfrm>
-            <a:off x="3015974" y="1401525"/>
-            <a:ext cx="5931451" cy="2359500"/>
-          </a:xfrm>
-          <a:prstGeom prst="rect">
-            <a:avLst/>
-          </a:prstGeom>
-        </p:spPr>
-      </p:pic>
-      <p:pic>
-        <p:nvPicPr>
-          <p:cNvPr id="6" name="Immagine 5">
-            <a:extLst>
-              <a:ext uri="{FF2B5EF4-FFF2-40B4-BE49-F238E27FC236}">
-                <a16:creationId xmlns:a16="http://schemas.microsoft.com/office/drawing/2014/main" id="{396432A4-7D1C-4EAB-AE44-1FA7BEDE4385}"/>
-              </a:ext>
-            </a:extLst>
-          </p:cNvPr>
-          <p:cNvPicPr>
-            <a:picLocks noChangeAspect="1"/>
-          </p:cNvPicPr>
-          <p:nvPr/>
-        </p:nvPicPr>
-        <p:blipFill>
-          <a:blip r:embed="rId4"/>
-          <a:stretch>
-            <a:fillRect/>
-          </a:stretch>
-        </p:blipFill>
-        <p:spPr>
-          <a:xfrm>
-            <a:off x="3133349" y="4113175"/>
-            <a:ext cx="6306301" cy="1622500"/>
-          </a:xfrm>
-          <a:prstGeom prst="rect">
-            <a:avLst/>
-          </a:prstGeom>
-        </p:spPr>
-      </p:pic>
-    </p:spTree>
-    <p:extLst>
-      <p:ext uri="{BB962C8B-B14F-4D97-AF65-F5344CB8AC3E}">
-        <p14:creationId xmlns:p14="http://schemas.microsoft.com/office/powerpoint/2010/main" val="1823101640"/>
-      </p:ext>
-    </p:extLst>
-  </p:cSld>
-  <p:clrMapOvr>
-    <a:masterClrMapping/>
-  </p:clrMapOvr>
-  <mc:AlternateContent xmlns:mc="http://schemas.openxmlformats.org/markup-compatibility/2006" xmlns:p14="http://schemas.microsoft.com/office/powerpoint/2010/main">
-    <mc:Choice Requires="p14">
-      <p:transition spd="med" p14:dur="700">
-        <p:fade/>
-      </p:transition>
-    </mc:Choice>
-    <mc:Fallback xmlns="">
-      <p:transition spd="med">
-        <p:fade/>
-      </p:transition>
-    </mc:Fallback>
-  </mc:AlternateContent>
-</p:sld>
-</file>
-
-<file path=ppt/slides/slide19.xml><?xml version="1.0" encoding="utf-8"?>
+<file path=ppt/slides/slide15.xml><?xml version="1.0" encoding="utf-8"?>
 <p:sld xmlns:a="http://schemas.openxmlformats.org/drawingml/2006/main" xmlns:r="http://schemas.openxmlformats.org/officeDocument/2006/relationships" xmlns:p="http://schemas.openxmlformats.org/presentationml/2006/main">
   <p:cSld>
     <p:spTree>
@@ -8539,286 +7653,7 @@
 </p:sld>
 </file>
 
-<file path=ppt/slides/slide2.xml><?xml version="1.0" encoding="utf-8"?>
-<p:sld xmlns:a="http://schemas.openxmlformats.org/drawingml/2006/main" xmlns:r="http://schemas.openxmlformats.org/officeDocument/2006/relationships" xmlns:p="http://schemas.openxmlformats.org/presentationml/2006/main">
-  <p:cSld>
-    <p:spTree>
-      <p:nvGrpSpPr>
-        <p:cNvPr id="1" name=""/>
-        <p:cNvGrpSpPr/>
-        <p:nvPr/>
-      </p:nvGrpSpPr>
-      <p:grpSpPr>
-        <a:xfrm>
-          <a:off x="0" y="0"/>
-          <a:ext cx="0" cy="0"/>
-          <a:chOff x="0" y="0"/>
-          <a:chExt cx="0" cy="0"/>
-        </a:xfrm>
-      </p:grpSpPr>
-      <p:sp>
-        <p:nvSpPr>
-          <p:cNvPr id="2" name="Titolo 1"/>
-          <p:cNvSpPr>
-            <a:spLocks noGrp="1"/>
-          </p:cNvSpPr>
-          <p:nvPr>
-            <p:ph type="title"/>
-          </p:nvPr>
-        </p:nvSpPr>
-        <p:spPr>
-          <a:xfrm>
-            <a:off x="609600" y="447675"/>
-            <a:ext cx="10972800" cy="1066800"/>
-          </a:xfrm>
-        </p:spPr>
-        <p:txBody>
-          <a:bodyPr rtlCol="0"/>
-          <a:lstStyle/>
-          <a:p>
-            <a:pPr rtl="0"/>
-            <a:r>
-              <a:rPr lang="it-IT" dirty="0"/>
-              <a:t>Use Case </a:t>
-            </a:r>
-            <a:r>
-              <a:rPr lang="it-IT" dirty="0" err="1"/>
-              <a:t>diagram</a:t>
-            </a:r>
-            <a:endParaRPr lang="it-IT" dirty="0"/>
-          </a:p>
-        </p:txBody>
-      </p:sp>
-      <p:pic>
-        <p:nvPicPr>
-          <p:cNvPr id="6" name="Immagine 5">
-            <a:extLst>
-              <a:ext uri="{FF2B5EF4-FFF2-40B4-BE49-F238E27FC236}">
-                <a16:creationId xmlns:a16="http://schemas.microsoft.com/office/drawing/2014/main" id="{0BC25155-6A29-41C5-90FA-C03B23BE9F99}"/>
-              </a:ext>
-            </a:extLst>
-          </p:cNvPr>
-          <p:cNvPicPr>
-            <a:picLocks noChangeAspect="1"/>
-          </p:cNvPicPr>
-          <p:nvPr/>
-        </p:nvPicPr>
-        <p:blipFill>
-          <a:blip r:embed="rId3">
-            <a:extLst>
-              <a:ext uri="{28A0092B-C50C-407E-A947-70E740481C1C}">
-                <a14:useLocalDpi xmlns:a14="http://schemas.microsoft.com/office/drawing/2010/main" val="0"/>
-              </a:ext>
-            </a:extLst>
-          </a:blip>
-          <a:stretch>
-            <a:fillRect/>
-          </a:stretch>
-        </p:blipFill>
-        <p:spPr>
-          <a:xfrm>
-            <a:off x="104775" y="1392040"/>
-            <a:ext cx="6762749" cy="5573418"/>
-          </a:xfrm>
-          <a:prstGeom prst="rect">
-            <a:avLst/>
-          </a:prstGeom>
-        </p:spPr>
-      </p:pic>
-      <p:sp>
-        <p:nvSpPr>
-          <p:cNvPr id="7" name="CasellaDiTesto 6">
-            <a:extLst>
-              <a:ext uri="{FF2B5EF4-FFF2-40B4-BE49-F238E27FC236}">
-                <a16:creationId xmlns:a16="http://schemas.microsoft.com/office/drawing/2014/main" id="{CB499A35-5BA1-415B-8A2B-64F6C5D4B835}"/>
-              </a:ext>
-            </a:extLst>
-          </p:cNvPr>
-          <p:cNvSpPr txBox="1"/>
-          <p:nvPr/>
-        </p:nvSpPr>
-        <p:spPr>
-          <a:xfrm>
-            <a:off x="6177117" y="1166842"/>
-            <a:ext cx="5910108" cy="4524315"/>
-          </a:xfrm>
-          <a:prstGeom prst="rect">
-            <a:avLst/>
-          </a:prstGeom>
-          <a:noFill/>
-        </p:spPr>
-        <p:txBody>
-          <a:bodyPr wrap="square" rtlCol="0">
-            <a:spAutoFit/>
-          </a:bodyPr>
-          <a:lstStyle/>
-          <a:p>
-            <a:r>
-              <a:rPr lang="en-US" sz="2400" dirty="0">
-                <a:solidFill>
-                  <a:schemeClr val="tx2"/>
-                </a:solidFill>
-                <a:latin typeface="+mj-lt"/>
-                <a:ea typeface="+mj-ea"/>
-                <a:cs typeface="+mj-cs"/>
-              </a:rPr>
-              <a:t>G.1. </a:t>
-            </a:r>
-            <a:r>
-              <a:rPr lang="en-US" dirty="0"/>
-              <a:t>Schedule and keep track of the user’s </a:t>
-            </a:r>
-          </a:p>
-          <a:p>
-            <a:r>
-              <a:rPr lang="en-US" dirty="0"/>
-              <a:t>appointments along the days. </a:t>
-            </a:r>
-          </a:p>
-          <a:p>
-            <a:r>
-              <a:rPr lang="en-US" sz="2400" dirty="0">
-                <a:solidFill>
-                  <a:schemeClr val="tx2"/>
-                </a:solidFill>
-                <a:latin typeface="+mj-lt"/>
-                <a:ea typeface="+mj-ea"/>
-                <a:cs typeface="+mj-cs"/>
-              </a:rPr>
-              <a:t>G.2. </a:t>
-            </a:r>
-            <a:r>
-              <a:rPr lang="en-US" dirty="0"/>
-              <a:t>Notify the user of incoming appointments, </a:t>
-            </a:r>
-          </a:p>
-          <a:p>
-            <a:r>
-              <a:rPr lang="en-US" dirty="0"/>
-              <a:t>with details about starting time </a:t>
-            </a:r>
-          </a:p>
-          <a:p>
-            <a:r>
-              <a:rPr lang="en-US" dirty="0"/>
-              <a:t>and mean of transportation. </a:t>
-            </a:r>
-          </a:p>
-          <a:p>
-            <a:r>
-              <a:rPr lang="en-US" sz="2400" dirty="0">
-                <a:solidFill>
-                  <a:schemeClr val="tx2"/>
-                </a:solidFill>
-                <a:latin typeface="+mj-lt"/>
-                <a:ea typeface="+mj-ea"/>
-                <a:cs typeface="+mj-cs"/>
-              </a:rPr>
-              <a:t>G.3. </a:t>
-            </a:r>
-            <a:r>
-              <a:rPr lang="en-US" dirty="0"/>
-              <a:t>Propose a suitable itinerary throughout </a:t>
-            </a:r>
-          </a:p>
-          <a:p>
-            <a:r>
-              <a:rPr lang="en-US" dirty="0"/>
-              <a:t>the appointments’ locations, according to user’s preferences, </a:t>
-            </a:r>
-          </a:p>
-          <a:p>
-            <a:r>
-              <a:rPr lang="en-US" dirty="0"/>
-              <a:t>appointment description and external information </a:t>
-            </a:r>
-          </a:p>
-          <a:p>
-            <a:r>
-              <a:rPr lang="en-US" dirty="0"/>
-              <a:t>about public transportation, weather forecast, traffic conditions. </a:t>
-            </a:r>
-          </a:p>
-          <a:p>
-            <a:r>
-              <a:rPr lang="en-US" sz="2400" dirty="0">
-                <a:solidFill>
-                  <a:schemeClr val="tx2"/>
-                </a:solidFill>
-                <a:latin typeface="+mj-lt"/>
-                <a:ea typeface="+mj-ea"/>
-                <a:cs typeface="+mj-cs"/>
-              </a:rPr>
-              <a:t>G.4. </a:t>
-            </a:r>
-            <a:r>
-              <a:rPr lang="en-US" dirty="0"/>
-              <a:t>Give the possibility to buy a transportation ticket. </a:t>
-            </a:r>
-          </a:p>
-          <a:p>
-            <a:r>
-              <a:rPr lang="en-US" sz="2400" dirty="0">
-                <a:solidFill>
-                  <a:schemeClr val="tx2"/>
-                </a:solidFill>
-                <a:latin typeface="+mj-lt"/>
-                <a:ea typeface="+mj-ea"/>
-                <a:cs typeface="+mj-cs"/>
-              </a:rPr>
-              <a:t>G.5. </a:t>
-            </a:r>
-            <a:r>
-              <a:rPr lang="en-US" dirty="0"/>
-              <a:t>Give the possibility to reserve a vehicle-sharing service. </a:t>
-            </a:r>
-          </a:p>
-          <a:p>
-            <a:r>
-              <a:rPr lang="en-US" sz="2400" dirty="0">
-                <a:solidFill>
-                  <a:schemeClr val="tx2"/>
-                </a:solidFill>
-                <a:latin typeface="+mj-lt"/>
-                <a:ea typeface="+mj-ea"/>
-                <a:cs typeface="+mj-cs"/>
-              </a:rPr>
-              <a:t>G.6. </a:t>
-            </a:r>
-            <a:r>
-              <a:rPr lang="en-US" dirty="0"/>
-              <a:t>Guide the user through all the appointments’ locations as a navigator. </a:t>
-            </a:r>
-            <a:endParaRPr lang="it-IT" dirty="0"/>
-          </a:p>
-        </p:txBody>
-      </p:sp>
-    </p:spTree>
-    <p:extLst>
-      <p:ext uri="{BB962C8B-B14F-4D97-AF65-F5344CB8AC3E}">
-        <p14:creationId xmlns:p14="http://schemas.microsoft.com/office/powerpoint/2010/main" val="1851896080"/>
-      </p:ext>
-    </p:extLst>
-  </p:cSld>
-  <p:clrMapOvr>
-    <a:masterClrMapping/>
-  </p:clrMapOvr>
-  <mc:AlternateContent xmlns:mc="http://schemas.openxmlformats.org/markup-compatibility/2006" xmlns:p14="http://schemas.microsoft.com/office/powerpoint/2010/main">
-    <mc:Choice Requires="p14">
-      <p:transition spd="med" p14:dur="700">
-        <p:fade/>
-      </p:transition>
-    </mc:Choice>
-    <mc:Fallback xmlns="">
-      <p:transition spd="med">
-        <p:fade/>
-      </p:transition>
-    </mc:Fallback>
-  </mc:AlternateContent>
-</p:sld>
-</file>
-
-<file path=ppt/slides/slide20.xml><?xml version="1.0" encoding="utf-8"?>
+<file path=ppt/slides/slide16.xml><?xml version="1.0" encoding="utf-8"?>
 <p:sld xmlns:a="http://schemas.openxmlformats.org/drawingml/2006/main" xmlns:r="http://schemas.openxmlformats.org/officeDocument/2006/relationships" xmlns:p="http://schemas.openxmlformats.org/presentationml/2006/main">
   <p:cSld>
     <p:spTree>
@@ -8925,7 +7760,7 @@
 </p:sld>
 </file>
 
-<file path=ppt/slides/slide21.xml><?xml version="1.0" encoding="utf-8"?>
+<file path=ppt/slides/slide17.xml><?xml version="1.0" encoding="utf-8"?>
 <p:sld xmlns:a="http://schemas.openxmlformats.org/drawingml/2006/main" xmlns:r="http://schemas.openxmlformats.org/officeDocument/2006/relationships" xmlns:p="http://schemas.openxmlformats.org/presentationml/2006/main">
   <p:cSld>
     <p:spTree>
@@ -9065,6 +7900,285 @@
     <p:extLst>
       <p:ext uri="{BB962C8B-B14F-4D97-AF65-F5344CB8AC3E}">
         <p14:creationId xmlns:p14="http://schemas.microsoft.com/office/powerpoint/2010/main" val="3653234007"/>
+      </p:ext>
+    </p:extLst>
+  </p:cSld>
+  <p:clrMapOvr>
+    <a:masterClrMapping/>
+  </p:clrMapOvr>
+  <mc:AlternateContent xmlns:mc="http://schemas.openxmlformats.org/markup-compatibility/2006" xmlns:p14="http://schemas.microsoft.com/office/powerpoint/2010/main">
+    <mc:Choice Requires="p14">
+      <p:transition spd="med" p14:dur="700">
+        <p:fade/>
+      </p:transition>
+    </mc:Choice>
+    <mc:Fallback xmlns="">
+      <p:transition spd="med">
+        <p:fade/>
+      </p:transition>
+    </mc:Fallback>
+  </mc:AlternateContent>
+</p:sld>
+</file>
+
+<file path=ppt/slides/slide2.xml><?xml version="1.0" encoding="utf-8"?>
+<p:sld xmlns:a="http://schemas.openxmlformats.org/drawingml/2006/main" xmlns:r="http://schemas.openxmlformats.org/officeDocument/2006/relationships" xmlns:p="http://schemas.openxmlformats.org/presentationml/2006/main">
+  <p:cSld>
+    <p:spTree>
+      <p:nvGrpSpPr>
+        <p:cNvPr id="1" name=""/>
+        <p:cNvGrpSpPr/>
+        <p:nvPr/>
+      </p:nvGrpSpPr>
+      <p:grpSpPr>
+        <a:xfrm>
+          <a:off x="0" y="0"/>
+          <a:ext cx="0" cy="0"/>
+          <a:chOff x="0" y="0"/>
+          <a:chExt cx="0" cy="0"/>
+        </a:xfrm>
+      </p:grpSpPr>
+      <p:sp>
+        <p:nvSpPr>
+          <p:cNvPr id="2" name="Titolo 1"/>
+          <p:cNvSpPr>
+            <a:spLocks noGrp="1"/>
+          </p:cNvSpPr>
+          <p:nvPr>
+            <p:ph type="title"/>
+          </p:nvPr>
+        </p:nvSpPr>
+        <p:spPr>
+          <a:xfrm>
+            <a:off x="609600" y="447675"/>
+            <a:ext cx="10972800" cy="1066800"/>
+          </a:xfrm>
+        </p:spPr>
+        <p:txBody>
+          <a:bodyPr rtlCol="0"/>
+          <a:lstStyle/>
+          <a:p>
+            <a:pPr rtl="0"/>
+            <a:r>
+              <a:rPr lang="it-IT" dirty="0"/>
+              <a:t>Use Case </a:t>
+            </a:r>
+            <a:r>
+              <a:rPr lang="it-IT" dirty="0" err="1"/>
+              <a:t>diagram</a:t>
+            </a:r>
+            <a:endParaRPr lang="it-IT" dirty="0"/>
+          </a:p>
+        </p:txBody>
+      </p:sp>
+      <p:pic>
+        <p:nvPicPr>
+          <p:cNvPr id="6" name="Immagine 5">
+            <a:extLst>
+              <a:ext uri="{FF2B5EF4-FFF2-40B4-BE49-F238E27FC236}">
+                <a16:creationId xmlns:a16="http://schemas.microsoft.com/office/drawing/2014/main" id="{0BC25155-6A29-41C5-90FA-C03B23BE9F99}"/>
+              </a:ext>
+            </a:extLst>
+          </p:cNvPr>
+          <p:cNvPicPr>
+            <a:picLocks noChangeAspect="1"/>
+          </p:cNvPicPr>
+          <p:nvPr/>
+        </p:nvPicPr>
+        <p:blipFill>
+          <a:blip r:embed="rId3">
+            <a:extLst>
+              <a:ext uri="{28A0092B-C50C-407E-A947-70E740481C1C}">
+                <a14:useLocalDpi xmlns:a14="http://schemas.microsoft.com/office/drawing/2010/main" val="0"/>
+              </a:ext>
+            </a:extLst>
+          </a:blip>
+          <a:stretch>
+            <a:fillRect/>
+          </a:stretch>
+        </p:blipFill>
+        <p:spPr>
+          <a:xfrm>
+            <a:off x="104775" y="1392040"/>
+            <a:ext cx="6762749" cy="5573418"/>
+          </a:xfrm>
+          <a:prstGeom prst="rect">
+            <a:avLst/>
+          </a:prstGeom>
+        </p:spPr>
+      </p:pic>
+      <p:sp>
+        <p:nvSpPr>
+          <p:cNvPr id="7" name="CasellaDiTesto 6">
+            <a:extLst>
+              <a:ext uri="{FF2B5EF4-FFF2-40B4-BE49-F238E27FC236}">
+                <a16:creationId xmlns:a16="http://schemas.microsoft.com/office/drawing/2014/main" id="{CB499A35-5BA1-415B-8A2B-64F6C5D4B835}"/>
+              </a:ext>
+            </a:extLst>
+          </p:cNvPr>
+          <p:cNvSpPr txBox="1"/>
+          <p:nvPr/>
+        </p:nvSpPr>
+        <p:spPr>
+          <a:xfrm>
+            <a:off x="6177117" y="1166842"/>
+            <a:ext cx="5910108" cy="4524315"/>
+          </a:xfrm>
+          <a:prstGeom prst="rect">
+            <a:avLst/>
+          </a:prstGeom>
+          <a:noFill/>
+        </p:spPr>
+        <p:txBody>
+          <a:bodyPr wrap="square" rtlCol="0">
+            <a:spAutoFit/>
+          </a:bodyPr>
+          <a:lstStyle/>
+          <a:p>
+            <a:r>
+              <a:rPr lang="en-US" sz="2400" dirty="0">
+                <a:solidFill>
+                  <a:schemeClr val="tx2"/>
+                </a:solidFill>
+                <a:latin typeface="+mj-lt"/>
+                <a:ea typeface="+mj-ea"/>
+                <a:cs typeface="+mj-cs"/>
+              </a:rPr>
+              <a:t>G.1. </a:t>
+            </a:r>
+            <a:r>
+              <a:rPr lang="en-US" dirty="0"/>
+              <a:t>Schedule and keep track of the user’s </a:t>
+            </a:r>
+          </a:p>
+          <a:p>
+            <a:r>
+              <a:rPr lang="en-US" dirty="0"/>
+              <a:t>appointments along the days. </a:t>
+            </a:r>
+          </a:p>
+          <a:p>
+            <a:r>
+              <a:rPr lang="en-US" sz="2400" dirty="0">
+                <a:solidFill>
+                  <a:schemeClr val="tx2"/>
+                </a:solidFill>
+                <a:latin typeface="+mj-lt"/>
+                <a:ea typeface="+mj-ea"/>
+                <a:cs typeface="+mj-cs"/>
+              </a:rPr>
+              <a:t>G.2. </a:t>
+            </a:r>
+            <a:r>
+              <a:rPr lang="en-US" dirty="0"/>
+              <a:t>Notify the user of incoming appointments, </a:t>
+            </a:r>
+          </a:p>
+          <a:p>
+            <a:r>
+              <a:rPr lang="en-US" dirty="0"/>
+              <a:t>with details about starting time </a:t>
+            </a:r>
+          </a:p>
+          <a:p>
+            <a:r>
+              <a:rPr lang="en-US" dirty="0"/>
+              <a:t>and mean of transportation. </a:t>
+            </a:r>
+          </a:p>
+          <a:p>
+            <a:r>
+              <a:rPr lang="en-US" sz="2400" dirty="0">
+                <a:solidFill>
+                  <a:schemeClr val="tx2"/>
+                </a:solidFill>
+                <a:latin typeface="+mj-lt"/>
+                <a:ea typeface="+mj-ea"/>
+                <a:cs typeface="+mj-cs"/>
+              </a:rPr>
+              <a:t>G.3. </a:t>
+            </a:r>
+            <a:r>
+              <a:rPr lang="en-US" dirty="0"/>
+              <a:t>Propose a suitable itinerary throughout </a:t>
+            </a:r>
+          </a:p>
+          <a:p>
+            <a:r>
+              <a:rPr lang="en-US" dirty="0"/>
+              <a:t>the appointments’ locations, according to user’s preferences, </a:t>
+            </a:r>
+          </a:p>
+          <a:p>
+            <a:r>
+              <a:rPr lang="en-US" dirty="0"/>
+              <a:t>appointment description and external information </a:t>
+            </a:r>
+          </a:p>
+          <a:p>
+            <a:r>
+              <a:rPr lang="en-US" dirty="0"/>
+              <a:t>about public transportation, weather forecast, traffic conditions. </a:t>
+            </a:r>
+          </a:p>
+          <a:p>
+            <a:r>
+              <a:rPr lang="en-US" sz="2400" dirty="0">
+                <a:solidFill>
+                  <a:schemeClr val="tx2"/>
+                </a:solidFill>
+                <a:latin typeface="+mj-lt"/>
+                <a:ea typeface="+mj-ea"/>
+                <a:cs typeface="+mj-cs"/>
+              </a:rPr>
+              <a:t>G.4. </a:t>
+            </a:r>
+            <a:r>
+              <a:rPr lang="en-US" dirty="0"/>
+              <a:t>Give the possibility to buy a transportation ticket. </a:t>
+            </a:r>
+          </a:p>
+          <a:p>
+            <a:r>
+              <a:rPr lang="en-US" sz="2400" dirty="0">
+                <a:solidFill>
+                  <a:schemeClr val="tx2"/>
+                </a:solidFill>
+                <a:latin typeface="+mj-lt"/>
+                <a:ea typeface="+mj-ea"/>
+                <a:cs typeface="+mj-cs"/>
+              </a:rPr>
+              <a:t>G.5. </a:t>
+            </a:r>
+            <a:r>
+              <a:rPr lang="en-US" dirty="0"/>
+              <a:t>Give the possibility to reserve a vehicle-sharing service. </a:t>
+            </a:r>
+          </a:p>
+          <a:p>
+            <a:r>
+              <a:rPr lang="en-US" sz="2400" dirty="0">
+                <a:solidFill>
+                  <a:schemeClr val="tx2"/>
+                </a:solidFill>
+                <a:latin typeface="+mj-lt"/>
+                <a:ea typeface="+mj-ea"/>
+                <a:cs typeface="+mj-cs"/>
+              </a:rPr>
+              <a:t>G.6. </a:t>
+            </a:r>
+            <a:r>
+              <a:rPr lang="en-US" dirty="0"/>
+              <a:t>Guide the user through all the appointments’ locations as a navigator. </a:t>
+            </a:r>
+            <a:endParaRPr lang="it-IT" dirty="0"/>
+          </a:p>
+        </p:txBody>
+      </p:sp>
+    </p:spTree>
+    <p:extLst>
+      <p:ext uri="{BB962C8B-B14F-4D97-AF65-F5344CB8AC3E}">
+        <p14:creationId xmlns:p14="http://schemas.microsoft.com/office/powerpoint/2010/main" val="1851896080"/>
       </p:ext>
     </p:extLst>
   </p:cSld>
@@ -10167,117 +9281,6 @@
             <a:pPr rtl="0"/>
             <a:r>
               <a:rPr lang="it-IT" dirty="0"/>
-              <a:t>Deployment </a:t>
-            </a:r>
-            <a:r>
-              <a:rPr lang="it-IT" dirty="0" err="1"/>
-              <a:t>view</a:t>
-            </a:r>
-            <a:endParaRPr lang="it-IT" dirty="0"/>
-          </a:p>
-        </p:txBody>
-      </p:sp>
-      <p:pic>
-        <p:nvPicPr>
-          <p:cNvPr id="5" name="Immagine 4">
-            <a:extLst>
-              <a:ext uri="{FF2B5EF4-FFF2-40B4-BE49-F238E27FC236}">
-                <a16:creationId xmlns:a16="http://schemas.microsoft.com/office/drawing/2014/main" id="{E3E7CE85-3C0B-40AC-8CB9-A3FE2B880FA7}"/>
-              </a:ext>
-            </a:extLst>
-          </p:cNvPr>
-          <p:cNvPicPr>
-            <a:picLocks noChangeAspect="1"/>
-          </p:cNvPicPr>
-          <p:nvPr/>
-        </p:nvPicPr>
-        <p:blipFill>
-          <a:blip r:embed="rId3" cstate="print">
-            <a:extLst>
-              <a:ext uri="{28A0092B-C50C-407E-A947-70E740481C1C}">
-                <a14:useLocalDpi xmlns:a14="http://schemas.microsoft.com/office/drawing/2010/main" val="0"/>
-              </a:ext>
-            </a:extLst>
-          </a:blip>
-          <a:stretch>
-            <a:fillRect/>
-          </a:stretch>
-        </p:blipFill>
-        <p:spPr>
-          <a:xfrm>
-            <a:off x="1090612" y="1232815"/>
-            <a:ext cx="10010775" cy="5518606"/>
-          </a:xfrm>
-          <a:prstGeom prst="rect">
-            <a:avLst/>
-          </a:prstGeom>
-        </p:spPr>
-      </p:pic>
-    </p:spTree>
-    <p:extLst>
-      <p:ext uri="{BB962C8B-B14F-4D97-AF65-F5344CB8AC3E}">
-        <p14:creationId xmlns:p14="http://schemas.microsoft.com/office/powerpoint/2010/main" val="121861432"/>
-      </p:ext>
-    </p:extLst>
-  </p:cSld>
-  <p:clrMapOvr>
-    <a:masterClrMapping/>
-  </p:clrMapOvr>
-  <mc:AlternateContent xmlns:mc="http://schemas.openxmlformats.org/markup-compatibility/2006" xmlns:p14="http://schemas.microsoft.com/office/powerpoint/2010/main">
-    <mc:Choice Requires="p14">
-      <p:transition spd="med" p14:dur="700">
-        <p:fade/>
-      </p:transition>
-    </mc:Choice>
-    <mc:Fallback xmlns="">
-      <p:transition spd="med">
-        <p:fade/>
-      </p:transition>
-    </mc:Fallback>
-  </mc:AlternateContent>
-</p:sld>
-</file>
-
-<file path=ppt/slides/slide8.xml><?xml version="1.0" encoding="utf-8"?>
-<p:sld xmlns:a="http://schemas.openxmlformats.org/drawingml/2006/main" xmlns:r="http://schemas.openxmlformats.org/officeDocument/2006/relationships" xmlns:p="http://schemas.openxmlformats.org/presentationml/2006/main">
-  <p:cSld>
-    <p:spTree>
-      <p:nvGrpSpPr>
-        <p:cNvPr id="1" name=""/>
-        <p:cNvGrpSpPr/>
-        <p:nvPr/>
-      </p:nvGrpSpPr>
-      <p:grpSpPr>
-        <a:xfrm>
-          <a:off x="0" y="0"/>
-          <a:ext cx="0" cy="0"/>
-          <a:chOff x="0" y="0"/>
-          <a:chExt cx="0" cy="0"/>
-        </a:xfrm>
-      </p:grpSpPr>
-      <p:sp>
-        <p:nvSpPr>
-          <p:cNvPr id="2" name="Titolo 1"/>
-          <p:cNvSpPr>
-            <a:spLocks noGrp="1"/>
-          </p:cNvSpPr>
-          <p:nvPr>
-            <p:ph type="title"/>
-          </p:nvPr>
-        </p:nvSpPr>
-        <p:spPr>
-          <a:xfrm>
-            <a:off x="609600" y="447675"/>
-            <a:ext cx="10972800" cy="1066800"/>
-          </a:xfrm>
-        </p:spPr>
-        <p:txBody>
-          <a:bodyPr rtlCol="0"/>
-          <a:lstStyle/>
-          <a:p>
-            <a:pPr rtl="0"/>
-            <a:r>
-              <a:rPr lang="it-IT" dirty="0"/>
               <a:t>Component </a:t>
             </a:r>
             <a:r>
@@ -10343,6 +9346,133 @@
 </p:sld>
 </file>
 
+<file path=ppt/slides/slide8.xml><?xml version="1.0" encoding="utf-8"?>
+<p:sld xmlns:a="http://schemas.openxmlformats.org/drawingml/2006/main" xmlns:r="http://schemas.openxmlformats.org/officeDocument/2006/relationships" xmlns:p="http://schemas.openxmlformats.org/presentationml/2006/main">
+  <p:cSld>
+    <p:spTree>
+      <p:nvGrpSpPr>
+        <p:cNvPr id="1" name=""/>
+        <p:cNvGrpSpPr/>
+        <p:nvPr/>
+      </p:nvGrpSpPr>
+      <p:grpSpPr>
+        <a:xfrm>
+          <a:off x="0" y="0"/>
+          <a:ext cx="0" cy="0"/>
+          <a:chOff x="0" y="0"/>
+          <a:chExt cx="0" cy="0"/>
+        </a:xfrm>
+      </p:grpSpPr>
+      <p:sp>
+        <p:nvSpPr>
+          <p:cNvPr id="2" name="Titolo 1"/>
+          <p:cNvSpPr>
+            <a:spLocks noGrp="1"/>
+          </p:cNvSpPr>
+          <p:nvPr>
+            <p:ph type="title"/>
+          </p:nvPr>
+        </p:nvSpPr>
+        <p:spPr>
+          <a:xfrm>
+            <a:off x="609600" y="447675"/>
+            <a:ext cx="10972800" cy="1066800"/>
+          </a:xfrm>
+        </p:spPr>
+        <p:txBody>
+          <a:bodyPr rtlCol="0"/>
+          <a:lstStyle/>
+          <a:p>
+            <a:pPr rtl="0"/>
+            <a:r>
+              <a:rPr lang="it-IT" dirty="0"/>
+              <a:t>Component </a:t>
+            </a:r>
+            <a:r>
+              <a:rPr lang="it-IT" dirty="0" err="1"/>
+              <a:t>view</a:t>
+            </a:r>
+            <a:r>
+              <a:rPr lang="it-IT" dirty="0"/>
+              <a:t> – </a:t>
+            </a:r>
+            <a:r>
+              <a:rPr lang="it-IT" dirty="0" err="1"/>
+              <a:t>installed</a:t>
+            </a:r>
+            <a:r>
+              <a:rPr lang="it-IT" dirty="0"/>
+              <a:t> </a:t>
+            </a:r>
+            <a:r>
+              <a:rPr lang="it-IT" dirty="0" err="1"/>
+              <a:t>application</a:t>
+            </a:r>
+            <a:endParaRPr lang="it-IT" dirty="0"/>
+          </a:p>
+        </p:txBody>
+      </p:sp>
+      <p:pic>
+        <p:nvPicPr>
+          <p:cNvPr id="5" name="Immagine 4">
+            <a:extLst>
+              <a:ext uri="{FF2B5EF4-FFF2-40B4-BE49-F238E27FC236}">
+                <a16:creationId xmlns:a16="http://schemas.microsoft.com/office/drawing/2014/main" id="{7BEBFAFF-D082-472D-B22D-BF7A486D05F7}"/>
+              </a:ext>
+            </a:extLst>
+          </p:cNvPr>
+          <p:cNvPicPr>
+            <a:picLocks noChangeAspect="1"/>
+          </p:cNvPicPr>
+          <p:nvPr/>
+        </p:nvPicPr>
+        <p:blipFill>
+          <a:blip r:embed="rId3">
+            <a:extLst>
+              <a:ext uri="{28A0092B-C50C-407E-A947-70E740481C1C}">
+                <a14:useLocalDpi xmlns:a14="http://schemas.microsoft.com/office/drawing/2010/main" val="0"/>
+              </a:ext>
+            </a:extLst>
+          </a:blip>
+          <a:stretch>
+            <a:fillRect/>
+          </a:stretch>
+        </p:blipFill>
+        <p:spPr>
+          <a:xfrm>
+            <a:off x="2209914" y="1471612"/>
+            <a:ext cx="7219836" cy="4239075"/>
+          </a:xfrm>
+          <a:prstGeom prst="rect">
+            <a:avLst/>
+          </a:prstGeom>
+        </p:spPr>
+      </p:pic>
+    </p:spTree>
+    <p:extLst>
+      <p:ext uri="{BB962C8B-B14F-4D97-AF65-F5344CB8AC3E}">
+        <p14:creationId xmlns:p14="http://schemas.microsoft.com/office/powerpoint/2010/main" val="3835329107"/>
+      </p:ext>
+    </p:extLst>
+  </p:cSld>
+  <p:clrMapOvr>
+    <a:masterClrMapping/>
+  </p:clrMapOvr>
+  <mc:AlternateContent xmlns:mc="http://schemas.openxmlformats.org/markup-compatibility/2006" xmlns:p14="http://schemas.microsoft.com/office/powerpoint/2010/main">
+    <mc:Choice Requires="p14">
+      <p:transition spd="med" p14:dur="700">
+        <p:fade/>
+      </p:transition>
+    </mc:Choice>
+    <mc:Fallback xmlns="">
+      <p:transition spd="med">
+        <p:fade/>
+      </p:transition>
+    </mc:Fallback>
+  </mc:AlternateContent>
+</p:sld>
+</file>
+
 <file path=ppt/slides/slide9.xml><?xml version="1.0" encoding="utf-8"?>
 <p:sld xmlns:a="http://schemas.openxmlformats.org/drawingml/2006/main" xmlns:r="http://schemas.openxmlformats.org/officeDocument/2006/relationships" xmlns:p="http://schemas.openxmlformats.org/presentationml/2006/main">
   <p:cSld>
@@ -10381,40 +9511,16 @@
           <a:lstStyle/>
           <a:p>
             <a:pPr rtl="0"/>
-            <a:r>
-              <a:rPr lang="it-IT" dirty="0"/>
-              <a:t>Component </a:t>
-            </a:r>
-            <a:r>
-              <a:rPr lang="it-IT" dirty="0" err="1"/>
-              <a:t>view</a:t>
-            </a:r>
-            <a:r>
-              <a:rPr lang="it-IT" dirty="0"/>
-              <a:t> – </a:t>
-            </a:r>
-            <a:r>
-              <a:rPr lang="it-IT" dirty="0" err="1"/>
-              <a:t>installed</a:t>
-            </a:r>
-            <a:r>
-              <a:rPr lang="it-IT" dirty="0"/>
-              <a:t> </a:t>
-            </a:r>
-            <a:r>
-              <a:rPr lang="it-IT" dirty="0" err="1"/>
-              <a:t>application</a:t>
-            </a:r>
             <a:endParaRPr lang="it-IT" dirty="0"/>
           </a:p>
         </p:txBody>
       </p:sp>
       <p:pic>
         <p:nvPicPr>
-          <p:cNvPr id="4" name="Immagine 3">
+          <p:cNvPr id="3" name="Immagine 2">
             <a:extLst>
               <a:ext uri="{FF2B5EF4-FFF2-40B4-BE49-F238E27FC236}">
-                <a16:creationId xmlns:a16="http://schemas.microsoft.com/office/drawing/2014/main" id="{26848241-EE93-44DC-ADB9-2CCB1879DA13}"/>
+                <a16:creationId xmlns:a16="http://schemas.microsoft.com/office/drawing/2014/main" id="{BBF507AE-0504-4451-9DB7-A91284CD0231}"/>
               </a:ext>
             </a:extLst>
           </p:cNvPr>
@@ -10431,8 +9537,8 @@
         </p:blipFill>
         <p:spPr>
           <a:xfrm>
-            <a:off x="2864947" y="1770675"/>
-            <a:ext cx="7250678" cy="4102750"/>
+            <a:off x="2228850" y="603036"/>
+            <a:ext cx="7229475" cy="6393414"/>
           </a:xfrm>
           <a:prstGeom prst="rect">
             <a:avLst/>
@@ -10442,7 +9548,7 @@
     </p:spTree>
     <p:extLst>
       <p:ext uri="{BB962C8B-B14F-4D97-AF65-F5344CB8AC3E}">
-        <p14:creationId xmlns:p14="http://schemas.microsoft.com/office/powerpoint/2010/main" val="3356707921"/>
+        <p14:creationId xmlns:p14="http://schemas.microsoft.com/office/powerpoint/2010/main" val="1330004994"/>
       </p:ext>
     </p:extLst>
   </p:cSld>
